--- a/Prova SENAC.pptx
+++ b/Prova SENAC.pptx
@@ -23,6 +23,7 @@
     <p:sldId id="274" r:id="rId17"/>
     <p:sldId id="275" r:id="rId18"/>
     <p:sldId id="276" r:id="rId19"/>
+    <p:sldId id="277" r:id="rId20"/>
   </p:sldIdLst>
   <p:sldSz cx="12192000" cy="6858000"/>
   <p:notesSz cx="6858000" cy="9144000"/>
@@ -129,6 +130,43 @@
 </p:presentation>
 </file>
 
+<file path=ppt/changesInfos/changesInfo1.xml><?xml version="1.0" encoding="utf-8"?>
+<pc:chgInfo xmlns:a="http://schemas.openxmlformats.org/drawingml/2006/main" xmlns:r="http://schemas.openxmlformats.org/officeDocument/2006/relationships" xmlns:ac="http://schemas.microsoft.com/office/drawing/2013/main/command" xmlns:pc="http://schemas.microsoft.com/office/powerpoint/2013/main/command">
+  <pc:docChgLst>
+    <pc:chgData name="RODOLFo BORTOLUZZI" userId="2f9df13b7ffa4ad2" providerId="LiveId" clId="{75BC9DE6-5F88-4036-8005-74699978EB56}"/>
+    <pc:docChg chg="undo custSel addSld modSld">
+      <pc:chgData name="RODOLFo BORTOLUZZI" userId="2f9df13b7ffa4ad2" providerId="LiveId" clId="{75BC9DE6-5F88-4036-8005-74699978EB56}" dt="2023-08-19T01:02:22.094" v="86" actId="20577"/>
+      <pc:docMkLst>
+        <pc:docMk/>
+      </pc:docMkLst>
+      <pc:sldChg chg="modSp new mod">
+        <pc:chgData name="RODOLFo BORTOLUZZI" userId="2f9df13b7ffa4ad2" providerId="LiveId" clId="{75BC9DE6-5F88-4036-8005-74699978EB56}" dt="2023-08-19T01:02:22.094" v="86" actId="20577"/>
+        <pc:sldMkLst>
+          <pc:docMk/>
+          <pc:sldMk cId="695854263" sldId="277"/>
+        </pc:sldMkLst>
+        <pc:spChg chg="mod">
+          <ac:chgData name="RODOLFo BORTOLUZZI" userId="2f9df13b7ffa4ad2" providerId="LiveId" clId="{75BC9DE6-5F88-4036-8005-74699978EB56}" dt="2023-08-19T01:01:53.320" v="32" actId="20577"/>
+          <ac:spMkLst>
+            <pc:docMk/>
+            <pc:sldMk cId="695854263" sldId="277"/>
+            <ac:spMk id="2" creationId="{7A5C408B-4911-0127-0C5F-FABDACE3E540}"/>
+          </ac:spMkLst>
+        </pc:spChg>
+        <pc:spChg chg="mod">
+          <ac:chgData name="RODOLFo BORTOLUZZI" userId="2f9df13b7ffa4ad2" providerId="LiveId" clId="{75BC9DE6-5F88-4036-8005-74699978EB56}" dt="2023-08-19T01:02:22.094" v="86" actId="20577"/>
+          <ac:spMkLst>
+            <pc:docMk/>
+            <pc:sldMk cId="695854263" sldId="277"/>
+            <ac:spMk id="3" creationId="{F84B15DE-7C63-A055-5E4A-2BE74259B779}"/>
+          </ac:spMkLst>
+        </pc:spChg>
+      </pc:sldChg>
+    </pc:docChg>
+  </pc:docChgLst>
+</pc:chgInfo>
+</file>
+
 <file path=ppt/slideLayouts/slideLayout1.xml><?xml version="1.0" encoding="utf-8"?>
 <p:sldLayout xmlns:a="http://schemas.openxmlformats.org/drawingml/2006/main" xmlns:r="http://schemas.openxmlformats.org/officeDocument/2006/relationships" xmlns:p="http://schemas.openxmlformats.org/presentationml/2006/main" type="title" preserve="1">
   <p:cSld name="Slide de Título">
@@ -276,7 +314,7 @@
           <a:p>
             <a:fld id="{C1691109-F4F8-4597-962C-A4F4B7960636}" type="datetimeFigureOut">
               <a:rPr lang="en-US" smtClean="0"/>
-              <a:t>8/13/2023</a:t>
+              <a:t>8/18/2023</a:t>
             </a:fld>
             <a:endParaRPr lang="en-US"/>
           </a:p>
@@ -474,7 +512,7 @@
           <a:p>
             <a:fld id="{C1691109-F4F8-4597-962C-A4F4B7960636}" type="datetimeFigureOut">
               <a:rPr lang="en-US" smtClean="0"/>
-              <a:t>8/13/2023</a:t>
+              <a:t>8/18/2023</a:t>
             </a:fld>
             <a:endParaRPr lang="en-US"/>
           </a:p>
@@ -682,7 +720,7 @@
           <a:p>
             <a:fld id="{C1691109-F4F8-4597-962C-A4F4B7960636}" type="datetimeFigureOut">
               <a:rPr lang="en-US" smtClean="0"/>
-              <a:t>8/13/2023</a:t>
+              <a:t>8/18/2023</a:t>
             </a:fld>
             <a:endParaRPr lang="en-US"/>
           </a:p>
@@ -880,7 +918,7 @@
           <a:p>
             <a:fld id="{C1691109-F4F8-4597-962C-A4F4B7960636}" type="datetimeFigureOut">
               <a:rPr lang="en-US" smtClean="0"/>
-              <a:t>8/13/2023</a:t>
+              <a:t>8/18/2023</a:t>
             </a:fld>
             <a:endParaRPr lang="en-US"/>
           </a:p>
@@ -1155,7 +1193,7 @@
           <a:p>
             <a:fld id="{C1691109-F4F8-4597-962C-A4F4B7960636}" type="datetimeFigureOut">
               <a:rPr lang="en-US" smtClean="0"/>
-              <a:t>8/13/2023</a:t>
+              <a:t>8/18/2023</a:t>
             </a:fld>
             <a:endParaRPr lang="en-US"/>
           </a:p>
@@ -1420,7 +1458,7 @@
           <a:p>
             <a:fld id="{C1691109-F4F8-4597-962C-A4F4B7960636}" type="datetimeFigureOut">
               <a:rPr lang="en-US" smtClean="0"/>
-              <a:t>8/13/2023</a:t>
+              <a:t>8/18/2023</a:t>
             </a:fld>
             <a:endParaRPr lang="en-US"/>
           </a:p>
@@ -1832,7 +1870,7 @@
           <a:p>
             <a:fld id="{C1691109-F4F8-4597-962C-A4F4B7960636}" type="datetimeFigureOut">
               <a:rPr lang="en-US" smtClean="0"/>
-              <a:t>8/13/2023</a:t>
+              <a:t>8/18/2023</a:t>
             </a:fld>
             <a:endParaRPr lang="en-US"/>
           </a:p>
@@ -1973,7 +2011,7 @@
           <a:p>
             <a:fld id="{C1691109-F4F8-4597-962C-A4F4B7960636}" type="datetimeFigureOut">
               <a:rPr lang="en-US" smtClean="0"/>
-              <a:t>8/13/2023</a:t>
+              <a:t>8/18/2023</a:t>
             </a:fld>
             <a:endParaRPr lang="en-US"/>
           </a:p>
@@ -2086,7 +2124,7 @@
           <a:p>
             <a:fld id="{C1691109-F4F8-4597-962C-A4F4B7960636}" type="datetimeFigureOut">
               <a:rPr lang="en-US" smtClean="0"/>
-              <a:t>8/13/2023</a:t>
+              <a:t>8/18/2023</a:t>
             </a:fld>
             <a:endParaRPr lang="en-US"/>
           </a:p>
@@ -2397,7 +2435,7 @@
           <a:p>
             <a:fld id="{C1691109-F4F8-4597-962C-A4F4B7960636}" type="datetimeFigureOut">
               <a:rPr lang="en-US" smtClean="0"/>
-              <a:t>8/13/2023</a:t>
+              <a:t>8/18/2023</a:t>
             </a:fld>
             <a:endParaRPr lang="en-US"/>
           </a:p>
@@ -2685,7 +2723,7 @@
           <a:p>
             <a:fld id="{C1691109-F4F8-4597-962C-A4F4B7960636}" type="datetimeFigureOut">
               <a:rPr lang="en-US" smtClean="0"/>
-              <a:t>8/13/2023</a:t>
+              <a:t>8/18/2023</a:t>
             </a:fld>
             <a:endParaRPr lang="en-US"/>
           </a:p>
@@ -2926,7 +2964,7 @@
           <a:p>
             <a:fld id="{C1691109-F4F8-4597-962C-A4F4B7960636}" type="datetimeFigureOut">
               <a:rPr lang="en-US" smtClean="0"/>
-              <a:t>8/13/2023</a:t>
+              <a:t>8/18/2023</a:t>
             </a:fld>
             <a:endParaRPr lang="en-US"/>
           </a:p>
@@ -5090,6 +5128,134 @@
 </p:sld>
 </file>
 
+<file path=ppt/slides/slide19.xml><?xml version="1.0" encoding="utf-8"?>
+<p:sld xmlns:a="http://schemas.openxmlformats.org/drawingml/2006/main" xmlns:r="http://schemas.openxmlformats.org/officeDocument/2006/relationships" xmlns:p="http://schemas.openxmlformats.org/presentationml/2006/main">
+  <p:cSld>
+    <p:spTree>
+      <p:nvGrpSpPr>
+        <p:cNvPr id="1" name=""/>
+        <p:cNvGrpSpPr/>
+        <p:nvPr/>
+      </p:nvGrpSpPr>
+      <p:grpSpPr>
+        <a:xfrm>
+          <a:off x="0" y="0"/>
+          <a:ext cx="0" cy="0"/>
+          <a:chOff x="0" y="0"/>
+          <a:chExt cx="0" cy="0"/>
+        </a:xfrm>
+      </p:grpSpPr>
+      <p:sp>
+        <p:nvSpPr>
+          <p:cNvPr id="2" name="Título 1">
+            <a:extLst>
+              <a:ext uri="{FF2B5EF4-FFF2-40B4-BE49-F238E27FC236}">
+                <a16:creationId xmlns:a16="http://schemas.microsoft.com/office/drawing/2014/main" id="{7A5C408B-4911-0127-0C5F-FABDACE3E540}"/>
+              </a:ext>
+            </a:extLst>
+          </p:cNvPr>
+          <p:cNvSpPr>
+            <a:spLocks noGrp="1"/>
+          </p:cNvSpPr>
+          <p:nvPr>
+            <p:ph type="title"/>
+          </p:nvPr>
+        </p:nvSpPr>
+        <p:spPr/>
+        <p:txBody>
+          <a:bodyPr/>
+          <a:lstStyle/>
+          <a:p>
+            <a:r>
+              <a:rPr lang="pt-BR" dirty="0"/>
+              <a:t>Implementando um </a:t>
+            </a:r>
+            <a:r>
+              <a:rPr lang="pt-BR" dirty="0" err="1"/>
+              <a:t>router</a:t>
+            </a:r>
+            <a:r>
+              <a:rPr lang="pt-BR" dirty="0"/>
+              <a:t> no </a:t>
+            </a:r>
+            <a:r>
+              <a:rPr lang="pt-BR" dirty="0" err="1"/>
+              <a:t>react</a:t>
+            </a:r>
+            <a:endParaRPr lang="pt-BR" dirty="0"/>
+          </a:p>
+        </p:txBody>
+      </p:sp>
+      <p:sp>
+        <p:nvSpPr>
+          <p:cNvPr id="3" name="Espaço Reservado para Conteúdo 2">
+            <a:extLst>
+              <a:ext uri="{FF2B5EF4-FFF2-40B4-BE49-F238E27FC236}">
+                <a16:creationId xmlns:a16="http://schemas.microsoft.com/office/drawing/2014/main" id="{F84B15DE-7C63-A055-5E4A-2BE74259B779}"/>
+              </a:ext>
+            </a:extLst>
+          </p:cNvPr>
+          <p:cNvSpPr>
+            <a:spLocks noGrp="1"/>
+          </p:cNvSpPr>
+          <p:nvPr>
+            <p:ph idx="1"/>
+          </p:nvPr>
+        </p:nvSpPr>
+        <p:spPr/>
+        <p:txBody>
+          <a:bodyPr/>
+          <a:lstStyle/>
+          <a:p>
+            <a:r>
+              <a:rPr lang="pt-BR" dirty="0" err="1"/>
+              <a:t>npm</a:t>
+            </a:r>
+            <a:r>
+              <a:rPr lang="pt-BR" dirty="0"/>
+              <a:t> </a:t>
+            </a:r>
+            <a:r>
+              <a:rPr lang="pt-BR" dirty="0" err="1"/>
+              <a:t>install</a:t>
+            </a:r>
+            <a:r>
+              <a:rPr lang="pt-BR" dirty="0"/>
+              <a:t> </a:t>
+            </a:r>
+            <a:r>
+              <a:rPr lang="pt-BR" dirty="0" err="1"/>
+              <a:t>react</a:t>
+            </a:r>
+            <a:r>
+              <a:rPr lang="pt-BR" dirty="0"/>
+              <a:t>-</a:t>
+            </a:r>
+            <a:r>
+              <a:rPr lang="pt-BR" dirty="0" err="1"/>
+              <a:t>router</a:t>
+            </a:r>
+            <a:r>
+              <a:rPr lang="pt-BR"/>
+              <a:t>-dom @types/react-router-dom</a:t>
+            </a:r>
+            <a:endParaRPr lang="pt-BR" dirty="0"/>
+          </a:p>
+        </p:txBody>
+      </p:sp>
+    </p:spTree>
+    <p:extLst>
+      <p:ext uri="{BB962C8B-B14F-4D97-AF65-F5344CB8AC3E}">
+        <p14:creationId xmlns:p14="http://schemas.microsoft.com/office/powerpoint/2010/main" val="695854263"/>
+      </p:ext>
+    </p:extLst>
+  </p:cSld>
+  <p:clrMapOvr>
+    <a:masterClrMapping/>
+  </p:clrMapOvr>
+</p:sld>
+</file>
+
 <file path=ppt/slides/slide2.xml><?xml version="1.0" encoding="utf-8"?>
 <p:sld xmlns:a="http://schemas.openxmlformats.org/drawingml/2006/main" xmlns:r="http://schemas.openxmlformats.org/officeDocument/2006/relationships" xmlns:p="http://schemas.openxmlformats.org/presentationml/2006/main">
   <p:cSld>
